--- a/Images/Images.pptx
+++ b/Images/Images.pptx
@@ -6,6 +6,7 @@
   </p:sldMasterIdLst>
   <p:sldIdLst>
     <p:sldId id="256" r:id="rId2"/>
+    <p:sldId id="257" r:id="rId3"/>
   </p:sldIdLst>
   <p:sldSz cx="12192000" cy="6858000"/>
   <p:notesSz cx="6858000" cy="9144000"/>
@@ -104,6 +105,11 @@
       </a:defRPr>
     </a:lvl9pPr>
   </p:defaultTextStyle>
+  <p:extLst>
+    <p:ext uri="{EFAFB233-063F-42B5-8137-9DF3F51BA10A}">
+      <p15:sldGuideLst xmlns:p15="http://schemas.microsoft.com/office/powerpoint/2012/main"/>
+    </p:ext>
+  </p:extLst>
 </p:presentation>
 </file>
 
@@ -254,7 +260,7 @@
           <a:p>
             <a:fld id="{E59E4700-835C-4739-9360-D02BEF3596F1}" type="datetimeFigureOut">
               <a:rPr lang="en-US" smtClean="0"/>
-              <a:t>6/29/2025</a:t>
+              <a:t>7/1/2025</a:t>
             </a:fld>
             <a:endParaRPr lang="en-US"/>
           </a:p>
@@ -452,7 +458,7 @@
           <a:p>
             <a:fld id="{E59E4700-835C-4739-9360-D02BEF3596F1}" type="datetimeFigureOut">
               <a:rPr lang="en-US" smtClean="0"/>
-              <a:t>6/29/2025</a:t>
+              <a:t>7/1/2025</a:t>
             </a:fld>
             <a:endParaRPr lang="en-US"/>
           </a:p>
@@ -660,7 +666,7 @@
           <a:p>
             <a:fld id="{E59E4700-835C-4739-9360-D02BEF3596F1}" type="datetimeFigureOut">
               <a:rPr lang="en-US" smtClean="0"/>
-              <a:t>6/29/2025</a:t>
+              <a:t>7/1/2025</a:t>
             </a:fld>
             <a:endParaRPr lang="en-US"/>
           </a:p>
@@ -858,7 +864,7 @@
           <a:p>
             <a:fld id="{E59E4700-835C-4739-9360-D02BEF3596F1}" type="datetimeFigureOut">
               <a:rPr lang="en-US" smtClean="0"/>
-              <a:t>6/29/2025</a:t>
+              <a:t>7/1/2025</a:t>
             </a:fld>
             <a:endParaRPr lang="en-US"/>
           </a:p>
@@ -1133,7 +1139,7 @@
           <a:p>
             <a:fld id="{E59E4700-835C-4739-9360-D02BEF3596F1}" type="datetimeFigureOut">
               <a:rPr lang="en-US" smtClean="0"/>
-              <a:t>6/29/2025</a:t>
+              <a:t>7/1/2025</a:t>
             </a:fld>
             <a:endParaRPr lang="en-US"/>
           </a:p>
@@ -1398,7 +1404,7 @@
           <a:p>
             <a:fld id="{E59E4700-835C-4739-9360-D02BEF3596F1}" type="datetimeFigureOut">
               <a:rPr lang="en-US" smtClean="0"/>
-              <a:t>6/29/2025</a:t>
+              <a:t>7/1/2025</a:t>
             </a:fld>
             <a:endParaRPr lang="en-US"/>
           </a:p>
@@ -1810,7 +1816,7 @@
           <a:p>
             <a:fld id="{E59E4700-835C-4739-9360-D02BEF3596F1}" type="datetimeFigureOut">
               <a:rPr lang="en-US" smtClean="0"/>
-              <a:t>6/29/2025</a:t>
+              <a:t>7/1/2025</a:t>
             </a:fld>
             <a:endParaRPr lang="en-US"/>
           </a:p>
@@ -1951,7 +1957,7 @@
           <a:p>
             <a:fld id="{E59E4700-835C-4739-9360-D02BEF3596F1}" type="datetimeFigureOut">
               <a:rPr lang="en-US" smtClean="0"/>
-              <a:t>6/29/2025</a:t>
+              <a:t>7/1/2025</a:t>
             </a:fld>
             <a:endParaRPr lang="en-US"/>
           </a:p>
@@ -2064,7 +2070,7 @@
           <a:p>
             <a:fld id="{E59E4700-835C-4739-9360-D02BEF3596F1}" type="datetimeFigureOut">
               <a:rPr lang="en-US" smtClean="0"/>
-              <a:t>6/29/2025</a:t>
+              <a:t>7/1/2025</a:t>
             </a:fld>
             <a:endParaRPr lang="en-US"/>
           </a:p>
@@ -2375,7 +2381,7 @@
           <a:p>
             <a:fld id="{E59E4700-835C-4739-9360-D02BEF3596F1}" type="datetimeFigureOut">
               <a:rPr lang="en-US" smtClean="0"/>
-              <a:t>6/29/2025</a:t>
+              <a:t>7/1/2025</a:t>
             </a:fld>
             <a:endParaRPr lang="en-US"/>
           </a:p>
@@ -2663,7 +2669,7 @@
           <a:p>
             <a:fld id="{E59E4700-835C-4739-9360-D02BEF3596F1}" type="datetimeFigureOut">
               <a:rPr lang="en-US" smtClean="0"/>
-              <a:t>6/29/2025</a:t>
+              <a:t>7/1/2025</a:t>
             </a:fld>
             <a:endParaRPr lang="en-US"/>
           </a:p>
@@ -2904,7 +2910,7 @@
           <a:p>
             <a:fld id="{E59E4700-835C-4739-9360-D02BEF3596F1}" type="datetimeFigureOut">
               <a:rPr lang="en-US" smtClean="0"/>
-              <a:t>6/29/2025</a:t>
+              <a:t>7/1/2025</a:t>
             </a:fld>
             <a:endParaRPr lang="en-US"/>
           </a:p>
@@ -3807,6 +3813,744 @@
 </p:sld>
 </file>
 
+<file path=ppt/slides/slide2.xml><?xml version="1.0" encoding="utf-8"?>
+<p:sld xmlns:a="http://schemas.openxmlformats.org/drawingml/2006/main" xmlns:r="http://schemas.openxmlformats.org/officeDocument/2006/relationships" xmlns:p="http://schemas.openxmlformats.org/presentationml/2006/main">
+  <p:cSld>
+    <p:spTree>
+      <p:nvGrpSpPr>
+        <p:cNvPr id="1" name=""/>
+        <p:cNvGrpSpPr/>
+        <p:nvPr/>
+      </p:nvGrpSpPr>
+      <p:grpSpPr>
+        <a:xfrm>
+          <a:off x="0" y="0"/>
+          <a:ext cx="0" cy="0"/>
+          <a:chOff x="0" y="0"/>
+          <a:chExt cx="0" cy="0"/>
+        </a:xfrm>
+      </p:grpSpPr>
+      <p:pic>
+        <p:nvPicPr>
+          <p:cNvPr id="6" name="Picture 5">
+            <a:extLst>
+              <a:ext uri="{FF2B5EF4-FFF2-40B4-BE49-F238E27FC236}">
+                <a16:creationId xmlns:a16="http://schemas.microsoft.com/office/drawing/2014/main" id="{00B0F3FA-D6E6-D354-B9BD-96E8485933B7}"/>
+              </a:ext>
+            </a:extLst>
+          </p:cNvPr>
+          <p:cNvPicPr>
+            <a:picLocks noChangeAspect="1"/>
+          </p:cNvPicPr>
+          <p:nvPr/>
+        </p:nvPicPr>
+        <p:blipFill>
+          <a:blip r:embed="rId2"/>
+          <a:srcRect t="37866" r="40924"/>
+          <a:stretch>
+            <a:fillRect/>
+          </a:stretch>
+        </p:blipFill>
+        <p:spPr>
+          <a:xfrm>
+            <a:off x="1866644" y="2116742"/>
+            <a:ext cx="3792912" cy="2624516"/>
+          </a:xfrm>
+          <a:custGeom>
+            <a:avLst/>
+            <a:gdLst>
+              <a:gd name="connsiteX0" fmla="*/ 437428 w 3792912"/>
+              <a:gd name="connsiteY0" fmla="*/ 0 h 2624516"/>
+              <a:gd name="connsiteX1" fmla="*/ 3355484 w 3792912"/>
+              <a:gd name="connsiteY1" fmla="*/ 0 h 2624516"/>
+              <a:gd name="connsiteX2" fmla="*/ 3792912 w 3792912"/>
+              <a:gd name="connsiteY2" fmla="*/ 437428 h 2624516"/>
+              <a:gd name="connsiteX3" fmla="*/ 3792912 w 3792912"/>
+              <a:gd name="connsiteY3" fmla="*/ 2187088 h 2624516"/>
+              <a:gd name="connsiteX4" fmla="*/ 3355484 w 3792912"/>
+              <a:gd name="connsiteY4" fmla="*/ 2624516 h 2624516"/>
+              <a:gd name="connsiteX5" fmla="*/ 437428 w 3792912"/>
+              <a:gd name="connsiteY5" fmla="*/ 2624516 h 2624516"/>
+              <a:gd name="connsiteX6" fmla="*/ 0 w 3792912"/>
+              <a:gd name="connsiteY6" fmla="*/ 2187088 h 2624516"/>
+              <a:gd name="connsiteX7" fmla="*/ 0 w 3792912"/>
+              <a:gd name="connsiteY7" fmla="*/ 437428 h 2624516"/>
+              <a:gd name="connsiteX8" fmla="*/ 437428 w 3792912"/>
+              <a:gd name="connsiteY8" fmla="*/ 0 h 2624516"/>
+            </a:gdLst>
+            <a:ahLst/>
+            <a:cxnLst>
+              <a:cxn ang="0">
+                <a:pos x="connsiteX0" y="connsiteY0"/>
+              </a:cxn>
+              <a:cxn ang="0">
+                <a:pos x="connsiteX1" y="connsiteY1"/>
+              </a:cxn>
+              <a:cxn ang="0">
+                <a:pos x="connsiteX2" y="connsiteY2"/>
+              </a:cxn>
+              <a:cxn ang="0">
+                <a:pos x="connsiteX3" y="connsiteY3"/>
+              </a:cxn>
+              <a:cxn ang="0">
+                <a:pos x="connsiteX4" y="connsiteY4"/>
+              </a:cxn>
+              <a:cxn ang="0">
+                <a:pos x="connsiteX5" y="connsiteY5"/>
+              </a:cxn>
+              <a:cxn ang="0">
+                <a:pos x="connsiteX6" y="connsiteY6"/>
+              </a:cxn>
+              <a:cxn ang="0">
+                <a:pos x="connsiteX7" y="connsiteY7"/>
+              </a:cxn>
+              <a:cxn ang="0">
+                <a:pos x="connsiteX8" y="connsiteY8"/>
+              </a:cxn>
+            </a:cxnLst>
+            <a:rect l="l" t="t" r="r" b="b"/>
+            <a:pathLst>
+              <a:path w="3792912" h="2624516">
+                <a:moveTo>
+                  <a:pt x="437428" y="0"/>
+                </a:moveTo>
+                <a:lnTo>
+                  <a:pt x="3355484" y="0"/>
+                </a:lnTo>
+                <a:cubicBezTo>
+                  <a:pt x="3597069" y="0"/>
+                  <a:pt x="3792912" y="195843"/>
+                  <a:pt x="3792912" y="437428"/>
+                </a:cubicBezTo>
+                <a:lnTo>
+                  <a:pt x="3792912" y="2187088"/>
+                </a:lnTo>
+                <a:cubicBezTo>
+                  <a:pt x="3792912" y="2428673"/>
+                  <a:pt x="3597069" y="2624516"/>
+                  <a:pt x="3355484" y="2624516"/>
+                </a:cubicBezTo>
+                <a:lnTo>
+                  <a:pt x="437428" y="2624516"/>
+                </a:lnTo>
+                <a:cubicBezTo>
+                  <a:pt x="195843" y="2624516"/>
+                  <a:pt x="0" y="2428673"/>
+                  <a:pt x="0" y="2187088"/>
+                </a:cubicBezTo>
+                <a:lnTo>
+                  <a:pt x="0" y="437428"/>
+                </a:lnTo>
+                <a:cubicBezTo>
+                  <a:pt x="0" y="195843"/>
+                  <a:pt x="195843" y="0"/>
+                  <a:pt x="437428" y="0"/>
+                </a:cubicBezTo>
+                <a:close/>
+              </a:path>
+            </a:pathLst>
+          </a:custGeom>
+          <a:effectLst>
+            <a:glow rad="101600">
+              <a:schemeClr val="accent1">
+                <a:satMod val="175000"/>
+                <a:alpha val="40000"/>
+              </a:schemeClr>
+            </a:glow>
+          </a:effectLst>
+        </p:spPr>
+      </p:pic>
+      <p:pic>
+        <p:nvPicPr>
+          <p:cNvPr id="18" name="Picture 17">
+            <a:extLst>
+              <a:ext uri="{FF2B5EF4-FFF2-40B4-BE49-F238E27FC236}">
+                <a16:creationId xmlns:a16="http://schemas.microsoft.com/office/drawing/2014/main" id="{CE760B2A-918A-F17F-CF07-38EB56027830}"/>
+              </a:ext>
+            </a:extLst>
+          </p:cNvPr>
+          <p:cNvPicPr>
+            <a:picLocks noChangeAspect="1"/>
+          </p:cNvPicPr>
+          <p:nvPr/>
+        </p:nvPicPr>
+        <p:blipFill>
+          <a:blip r:embed="rId3"/>
+          <a:srcRect l="36285" t="22487" r="40784" b="23846"/>
+          <a:stretch>
+            <a:fillRect/>
+          </a:stretch>
+        </p:blipFill>
+        <p:spPr>
+          <a:xfrm>
+            <a:off x="5771906" y="3480910"/>
+            <a:ext cx="1933818" cy="1505868"/>
+          </a:xfrm>
+          <a:custGeom>
+            <a:avLst/>
+            <a:gdLst>
+              <a:gd name="connsiteX0" fmla="*/ 326397 w 1976528"/>
+              <a:gd name="connsiteY0" fmla="*/ 0 h 1505868"/>
+              <a:gd name="connsiteX1" fmla="*/ 1650131 w 1976528"/>
+              <a:gd name="connsiteY1" fmla="*/ 0 h 1505868"/>
+              <a:gd name="connsiteX2" fmla="*/ 1976528 w 1976528"/>
+              <a:gd name="connsiteY2" fmla="*/ 326397 h 1505868"/>
+              <a:gd name="connsiteX3" fmla="*/ 1976528 w 1976528"/>
+              <a:gd name="connsiteY3" fmla="*/ 1179471 h 1505868"/>
+              <a:gd name="connsiteX4" fmla="*/ 1650131 w 1976528"/>
+              <a:gd name="connsiteY4" fmla="*/ 1505868 h 1505868"/>
+              <a:gd name="connsiteX5" fmla="*/ 326397 w 1976528"/>
+              <a:gd name="connsiteY5" fmla="*/ 1505868 h 1505868"/>
+              <a:gd name="connsiteX6" fmla="*/ 0 w 1976528"/>
+              <a:gd name="connsiteY6" fmla="*/ 1179471 h 1505868"/>
+              <a:gd name="connsiteX7" fmla="*/ 0 w 1976528"/>
+              <a:gd name="connsiteY7" fmla="*/ 326397 h 1505868"/>
+              <a:gd name="connsiteX8" fmla="*/ 326397 w 1976528"/>
+              <a:gd name="connsiteY8" fmla="*/ 0 h 1505868"/>
+            </a:gdLst>
+            <a:ahLst/>
+            <a:cxnLst>
+              <a:cxn ang="0">
+                <a:pos x="connsiteX0" y="connsiteY0"/>
+              </a:cxn>
+              <a:cxn ang="0">
+                <a:pos x="connsiteX1" y="connsiteY1"/>
+              </a:cxn>
+              <a:cxn ang="0">
+                <a:pos x="connsiteX2" y="connsiteY2"/>
+              </a:cxn>
+              <a:cxn ang="0">
+                <a:pos x="connsiteX3" y="connsiteY3"/>
+              </a:cxn>
+              <a:cxn ang="0">
+                <a:pos x="connsiteX4" y="connsiteY4"/>
+              </a:cxn>
+              <a:cxn ang="0">
+                <a:pos x="connsiteX5" y="connsiteY5"/>
+              </a:cxn>
+              <a:cxn ang="0">
+                <a:pos x="connsiteX6" y="connsiteY6"/>
+              </a:cxn>
+              <a:cxn ang="0">
+                <a:pos x="connsiteX7" y="connsiteY7"/>
+              </a:cxn>
+              <a:cxn ang="0">
+                <a:pos x="connsiteX8" y="connsiteY8"/>
+              </a:cxn>
+            </a:cxnLst>
+            <a:rect l="l" t="t" r="r" b="b"/>
+            <a:pathLst>
+              <a:path w="1976528" h="1505868">
+                <a:moveTo>
+                  <a:pt x="326397" y="0"/>
+                </a:moveTo>
+                <a:lnTo>
+                  <a:pt x="1650131" y="0"/>
+                </a:lnTo>
+                <a:cubicBezTo>
+                  <a:pt x="1830395" y="0"/>
+                  <a:pt x="1976528" y="146133"/>
+                  <a:pt x="1976528" y="326397"/>
+                </a:cubicBezTo>
+                <a:lnTo>
+                  <a:pt x="1976528" y="1179471"/>
+                </a:lnTo>
+                <a:cubicBezTo>
+                  <a:pt x="1976528" y="1359735"/>
+                  <a:pt x="1830395" y="1505868"/>
+                  <a:pt x="1650131" y="1505868"/>
+                </a:cubicBezTo>
+                <a:lnTo>
+                  <a:pt x="326397" y="1505868"/>
+                </a:lnTo>
+                <a:cubicBezTo>
+                  <a:pt x="146133" y="1505868"/>
+                  <a:pt x="0" y="1359735"/>
+                  <a:pt x="0" y="1179471"/>
+                </a:cubicBezTo>
+                <a:lnTo>
+                  <a:pt x="0" y="326397"/>
+                </a:lnTo>
+                <a:cubicBezTo>
+                  <a:pt x="0" y="146133"/>
+                  <a:pt x="146133" y="0"/>
+                  <a:pt x="326397" y="0"/>
+                </a:cubicBezTo>
+                <a:close/>
+              </a:path>
+            </a:pathLst>
+          </a:custGeom>
+          <a:effectLst>
+            <a:glow rad="101600">
+              <a:schemeClr val="accent1">
+                <a:satMod val="175000"/>
+                <a:alpha val="40000"/>
+              </a:schemeClr>
+            </a:glow>
+          </a:effectLst>
+        </p:spPr>
+      </p:pic>
+      <p:pic>
+        <p:nvPicPr>
+          <p:cNvPr id="17" name="Picture 16">
+            <a:extLst>
+              <a:ext uri="{FF2B5EF4-FFF2-40B4-BE49-F238E27FC236}">
+                <a16:creationId xmlns:a16="http://schemas.microsoft.com/office/drawing/2014/main" id="{73B7679F-EEC6-7778-7865-97507DA1FAD4}"/>
+              </a:ext>
+            </a:extLst>
+          </p:cNvPr>
+          <p:cNvPicPr>
+            <a:picLocks noChangeAspect="1"/>
+          </p:cNvPicPr>
+          <p:nvPr/>
+        </p:nvPicPr>
+        <p:blipFill>
+          <a:blip r:embed="rId3"/>
+          <a:srcRect l="72185" t="25140" r="4884" b="21191"/>
+          <a:stretch>
+            <a:fillRect/>
+          </a:stretch>
+        </p:blipFill>
+        <p:spPr>
+          <a:xfrm>
+            <a:off x="5771908" y="1923132"/>
+            <a:ext cx="1933818" cy="1505868"/>
+          </a:xfrm>
+          <a:custGeom>
+            <a:avLst/>
+            <a:gdLst>
+              <a:gd name="connsiteX0" fmla="*/ 326396 w 1976527"/>
+              <a:gd name="connsiteY0" fmla="*/ 0 h 1505868"/>
+              <a:gd name="connsiteX1" fmla="*/ 1650130 w 1976527"/>
+              <a:gd name="connsiteY1" fmla="*/ 0 h 1505868"/>
+              <a:gd name="connsiteX2" fmla="*/ 1976527 w 1976527"/>
+              <a:gd name="connsiteY2" fmla="*/ 326397 h 1505868"/>
+              <a:gd name="connsiteX3" fmla="*/ 1976527 w 1976527"/>
+              <a:gd name="connsiteY3" fmla="*/ 1179471 h 1505868"/>
+              <a:gd name="connsiteX4" fmla="*/ 1650130 w 1976527"/>
+              <a:gd name="connsiteY4" fmla="*/ 1505868 h 1505868"/>
+              <a:gd name="connsiteX5" fmla="*/ 326396 w 1976527"/>
+              <a:gd name="connsiteY5" fmla="*/ 1505868 h 1505868"/>
+              <a:gd name="connsiteX6" fmla="*/ 6630 w 1976527"/>
+              <a:gd name="connsiteY6" fmla="*/ 1245251 h 1505868"/>
+              <a:gd name="connsiteX7" fmla="*/ 0 w 1976527"/>
+              <a:gd name="connsiteY7" fmla="*/ 1179481 h 1505868"/>
+              <a:gd name="connsiteX8" fmla="*/ 0 w 1976527"/>
+              <a:gd name="connsiteY8" fmla="*/ 326387 h 1505868"/>
+              <a:gd name="connsiteX9" fmla="*/ 6630 w 1976527"/>
+              <a:gd name="connsiteY9" fmla="*/ 260617 h 1505868"/>
+              <a:gd name="connsiteX10" fmla="*/ 326396 w 1976527"/>
+              <a:gd name="connsiteY10" fmla="*/ 0 h 1505868"/>
+            </a:gdLst>
+            <a:ahLst/>
+            <a:cxnLst>
+              <a:cxn ang="0">
+                <a:pos x="connsiteX0" y="connsiteY0"/>
+              </a:cxn>
+              <a:cxn ang="0">
+                <a:pos x="connsiteX1" y="connsiteY1"/>
+              </a:cxn>
+              <a:cxn ang="0">
+                <a:pos x="connsiteX2" y="connsiteY2"/>
+              </a:cxn>
+              <a:cxn ang="0">
+                <a:pos x="connsiteX3" y="connsiteY3"/>
+              </a:cxn>
+              <a:cxn ang="0">
+                <a:pos x="connsiteX4" y="connsiteY4"/>
+              </a:cxn>
+              <a:cxn ang="0">
+                <a:pos x="connsiteX5" y="connsiteY5"/>
+              </a:cxn>
+              <a:cxn ang="0">
+                <a:pos x="connsiteX6" y="connsiteY6"/>
+              </a:cxn>
+              <a:cxn ang="0">
+                <a:pos x="connsiteX7" y="connsiteY7"/>
+              </a:cxn>
+              <a:cxn ang="0">
+                <a:pos x="connsiteX8" y="connsiteY8"/>
+              </a:cxn>
+              <a:cxn ang="0">
+                <a:pos x="connsiteX9" y="connsiteY9"/>
+              </a:cxn>
+              <a:cxn ang="0">
+                <a:pos x="connsiteX10" y="connsiteY10"/>
+              </a:cxn>
+            </a:cxnLst>
+            <a:rect l="l" t="t" r="r" b="b"/>
+            <a:pathLst>
+              <a:path w="1976527" h="1505868">
+                <a:moveTo>
+                  <a:pt x="326396" y="0"/>
+                </a:moveTo>
+                <a:lnTo>
+                  <a:pt x="1650130" y="0"/>
+                </a:lnTo>
+                <a:cubicBezTo>
+                  <a:pt x="1830394" y="0"/>
+                  <a:pt x="1976527" y="146133"/>
+                  <a:pt x="1976527" y="326397"/>
+                </a:cubicBezTo>
+                <a:lnTo>
+                  <a:pt x="1976527" y="1179471"/>
+                </a:lnTo>
+                <a:cubicBezTo>
+                  <a:pt x="1976527" y="1359735"/>
+                  <a:pt x="1830394" y="1505868"/>
+                  <a:pt x="1650130" y="1505868"/>
+                </a:cubicBezTo>
+                <a:lnTo>
+                  <a:pt x="326396" y="1505868"/>
+                </a:lnTo>
+                <a:cubicBezTo>
+                  <a:pt x="168665" y="1505868"/>
+                  <a:pt x="37066" y="1393985"/>
+                  <a:pt x="6630" y="1245251"/>
+                </a:cubicBezTo>
+                <a:lnTo>
+                  <a:pt x="0" y="1179481"/>
+                </a:lnTo>
+                <a:lnTo>
+                  <a:pt x="0" y="326387"/>
+                </a:lnTo>
+                <a:lnTo>
+                  <a:pt x="6630" y="260617"/>
+                </a:lnTo>
+                <a:cubicBezTo>
+                  <a:pt x="37066" y="111883"/>
+                  <a:pt x="168665" y="0"/>
+                  <a:pt x="326396" y="0"/>
+                </a:cubicBezTo>
+                <a:close/>
+              </a:path>
+            </a:pathLst>
+          </a:custGeom>
+          <a:effectLst>
+            <a:glow rad="101600">
+              <a:schemeClr val="accent1">
+                <a:satMod val="175000"/>
+                <a:alpha val="40000"/>
+              </a:schemeClr>
+            </a:glow>
+          </a:effectLst>
+        </p:spPr>
+      </p:pic>
+      <p:sp>
+        <p:nvSpPr>
+          <p:cNvPr id="9" name="TextBox 8">
+            <a:extLst>
+              <a:ext uri="{FF2B5EF4-FFF2-40B4-BE49-F238E27FC236}">
+                <a16:creationId xmlns:a16="http://schemas.microsoft.com/office/drawing/2014/main" id="{3BDF8BC9-BBFB-6DB9-C8FE-D72D12C67BD1}"/>
+              </a:ext>
+            </a:extLst>
+          </p:cNvPr>
+          <p:cNvSpPr txBox="1"/>
+          <p:nvPr/>
+        </p:nvSpPr>
+        <p:spPr>
+          <a:xfrm>
+            <a:off x="6209473" y="3632047"/>
+            <a:ext cx="1101392" cy="338554"/>
+          </a:xfrm>
+          <a:prstGeom prst="rect">
+            <a:avLst/>
+          </a:prstGeom>
+          <a:noFill/>
+        </p:spPr>
+        <p:txBody>
+          <a:bodyPr wrap="none" rtlCol="0">
+            <a:spAutoFit/>
+          </a:bodyPr>
+          <a:lstStyle/>
+          <a:p>
+            <a:r>
+              <a:rPr lang="en-US" sz="1600" b="1" dirty="0">
+                <a:solidFill>
+                  <a:srgbClr val="69AACE"/>
+                </a:solidFill>
+              </a:rPr>
+              <a:t>Deoxy-Hb</a:t>
+            </a:r>
+          </a:p>
+        </p:txBody>
+      </p:sp>
+      <p:sp>
+        <p:nvSpPr>
+          <p:cNvPr id="10" name="TextBox 9">
+            <a:extLst>
+              <a:ext uri="{FF2B5EF4-FFF2-40B4-BE49-F238E27FC236}">
+                <a16:creationId xmlns:a16="http://schemas.microsoft.com/office/drawing/2014/main" id="{7CFB7801-147E-D8A5-CE76-DD7C334A9CAC}"/>
+              </a:ext>
+            </a:extLst>
+          </p:cNvPr>
+          <p:cNvSpPr txBox="1"/>
+          <p:nvPr/>
+        </p:nvSpPr>
+        <p:spPr>
+          <a:xfrm>
+            <a:off x="6321299" y="2063806"/>
+            <a:ext cx="877741" cy="338554"/>
+          </a:xfrm>
+          <a:prstGeom prst="rect">
+            <a:avLst/>
+          </a:prstGeom>
+          <a:noFill/>
+        </p:spPr>
+        <p:txBody>
+          <a:bodyPr wrap="none" rtlCol="0">
+            <a:spAutoFit/>
+          </a:bodyPr>
+          <a:lstStyle/>
+          <a:p>
+            <a:r>
+              <a:rPr lang="en-US" sz="1600" b="1" dirty="0">
+                <a:solidFill>
+                  <a:srgbClr val="69AACE"/>
+                </a:solidFill>
+              </a:rPr>
+              <a:t>Oxy-Hb</a:t>
+            </a:r>
+            <a:endParaRPr lang="en-US" b="1" dirty="0">
+              <a:solidFill>
+                <a:srgbClr val="69AACE"/>
+              </a:solidFill>
+            </a:endParaRPr>
+          </a:p>
+        </p:txBody>
+      </p:sp>
+      <p:pic>
+        <p:nvPicPr>
+          <p:cNvPr id="19" name="Picture 18">
+            <a:extLst>
+              <a:ext uri="{FF2B5EF4-FFF2-40B4-BE49-F238E27FC236}">
+                <a16:creationId xmlns:a16="http://schemas.microsoft.com/office/drawing/2014/main" id="{4752414A-3B77-3584-291F-197592D445A5}"/>
+              </a:ext>
+            </a:extLst>
+          </p:cNvPr>
+          <p:cNvPicPr>
+            <a:picLocks noChangeAspect="1"/>
+          </p:cNvPicPr>
+          <p:nvPr/>
+        </p:nvPicPr>
+        <p:blipFill>
+          <a:blip r:embed="rId4"/>
+          <a:srcRect l="73235" t="20223" r="4320" b="14507"/>
+          <a:stretch/>
+        </p:blipFill>
+        <p:spPr>
+          <a:xfrm>
+            <a:off x="7804595" y="2302067"/>
+            <a:ext cx="1976527" cy="2107648"/>
+          </a:xfrm>
+          <a:custGeom>
+            <a:avLst/>
+            <a:gdLst>
+              <a:gd name="connsiteX0" fmla="*/ 428412 w 1976527"/>
+              <a:gd name="connsiteY0" fmla="*/ 0 h 2107648"/>
+              <a:gd name="connsiteX1" fmla="*/ 1548116 w 1976527"/>
+              <a:gd name="connsiteY1" fmla="*/ 0 h 2107648"/>
+              <a:gd name="connsiteX2" fmla="*/ 1967824 w 1976527"/>
+              <a:gd name="connsiteY2" fmla="*/ 342072 h 2107648"/>
+              <a:gd name="connsiteX3" fmla="*/ 1976527 w 1976527"/>
+              <a:gd name="connsiteY3" fmla="*/ 428402 h 2107648"/>
+              <a:gd name="connsiteX4" fmla="*/ 1976527 w 1976527"/>
+              <a:gd name="connsiteY4" fmla="*/ 1679246 h 2107648"/>
+              <a:gd name="connsiteX5" fmla="*/ 1967824 w 1976527"/>
+              <a:gd name="connsiteY5" fmla="*/ 1765576 h 2107648"/>
+              <a:gd name="connsiteX6" fmla="*/ 1548116 w 1976527"/>
+              <a:gd name="connsiteY6" fmla="*/ 2107648 h 2107648"/>
+              <a:gd name="connsiteX7" fmla="*/ 428412 w 1976527"/>
+              <a:gd name="connsiteY7" fmla="*/ 2107648 h 2107648"/>
+              <a:gd name="connsiteX8" fmla="*/ 0 w 1976527"/>
+              <a:gd name="connsiteY8" fmla="*/ 1679236 h 2107648"/>
+              <a:gd name="connsiteX9" fmla="*/ 0 w 1976527"/>
+              <a:gd name="connsiteY9" fmla="*/ 428412 h 2107648"/>
+              <a:gd name="connsiteX10" fmla="*/ 428412 w 1976527"/>
+              <a:gd name="connsiteY10" fmla="*/ 0 h 2107648"/>
+            </a:gdLst>
+            <a:ahLst/>
+            <a:cxnLst>
+              <a:cxn ang="0">
+                <a:pos x="connsiteX0" y="connsiteY0"/>
+              </a:cxn>
+              <a:cxn ang="0">
+                <a:pos x="connsiteX1" y="connsiteY1"/>
+              </a:cxn>
+              <a:cxn ang="0">
+                <a:pos x="connsiteX2" y="connsiteY2"/>
+              </a:cxn>
+              <a:cxn ang="0">
+                <a:pos x="connsiteX3" y="connsiteY3"/>
+              </a:cxn>
+              <a:cxn ang="0">
+                <a:pos x="connsiteX4" y="connsiteY4"/>
+              </a:cxn>
+              <a:cxn ang="0">
+                <a:pos x="connsiteX5" y="connsiteY5"/>
+              </a:cxn>
+              <a:cxn ang="0">
+                <a:pos x="connsiteX6" y="connsiteY6"/>
+              </a:cxn>
+              <a:cxn ang="0">
+                <a:pos x="connsiteX7" y="connsiteY7"/>
+              </a:cxn>
+              <a:cxn ang="0">
+                <a:pos x="connsiteX8" y="connsiteY8"/>
+              </a:cxn>
+              <a:cxn ang="0">
+                <a:pos x="connsiteX9" y="connsiteY9"/>
+              </a:cxn>
+              <a:cxn ang="0">
+                <a:pos x="connsiteX10" y="connsiteY10"/>
+              </a:cxn>
+            </a:cxnLst>
+            <a:rect l="l" t="t" r="r" b="b"/>
+            <a:pathLst>
+              <a:path w="1976527" h="2107648">
+                <a:moveTo>
+                  <a:pt x="428412" y="0"/>
+                </a:moveTo>
+                <a:lnTo>
+                  <a:pt x="1548116" y="0"/>
+                </a:lnTo>
+                <a:cubicBezTo>
+                  <a:pt x="1755145" y="0"/>
+                  <a:pt x="1927876" y="146852"/>
+                  <a:pt x="1967824" y="342072"/>
+                </a:cubicBezTo>
+                <a:lnTo>
+                  <a:pt x="1976527" y="428402"/>
+                </a:lnTo>
+                <a:lnTo>
+                  <a:pt x="1976527" y="1679246"/>
+                </a:lnTo>
+                <a:lnTo>
+                  <a:pt x="1967824" y="1765576"/>
+                </a:lnTo>
+                <a:cubicBezTo>
+                  <a:pt x="1927876" y="1960796"/>
+                  <a:pt x="1755145" y="2107648"/>
+                  <a:pt x="1548116" y="2107648"/>
+                </a:cubicBezTo>
+                <a:lnTo>
+                  <a:pt x="428412" y="2107648"/>
+                </a:lnTo>
+                <a:cubicBezTo>
+                  <a:pt x="191807" y="2107648"/>
+                  <a:pt x="0" y="1915841"/>
+                  <a:pt x="0" y="1679236"/>
+                </a:cubicBezTo>
+                <a:lnTo>
+                  <a:pt x="0" y="428412"/>
+                </a:lnTo>
+                <a:cubicBezTo>
+                  <a:pt x="0" y="191807"/>
+                  <a:pt x="191807" y="0"/>
+                  <a:pt x="428412" y="0"/>
+                </a:cubicBezTo>
+                <a:close/>
+              </a:path>
+            </a:pathLst>
+          </a:custGeom>
+          <a:effectLst>
+            <a:glow rad="101600">
+              <a:schemeClr val="accent1">
+                <a:satMod val="175000"/>
+                <a:alpha val="40000"/>
+              </a:schemeClr>
+            </a:glow>
+          </a:effectLst>
+        </p:spPr>
+      </p:pic>
+      <p:sp>
+        <p:nvSpPr>
+          <p:cNvPr id="12" name="TextBox 11">
+            <a:extLst>
+              <a:ext uri="{FF2B5EF4-FFF2-40B4-BE49-F238E27FC236}">
+                <a16:creationId xmlns:a16="http://schemas.microsoft.com/office/drawing/2014/main" id="{0DF58EDE-056E-D53E-D192-D8ED00EE1088}"/>
+              </a:ext>
+            </a:extLst>
+          </p:cNvPr>
+          <p:cNvSpPr txBox="1"/>
+          <p:nvPr/>
+        </p:nvSpPr>
+        <p:spPr>
+          <a:xfrm>
+            <a:off x="7915781" y="3754340"/>
+            <a:ext cx="1783354" cy="584775"/>
+          </a:xfrm>
+          <a:prstGeom prst="rect">
+            <a:avLst/>
+          </a:prstGeom>
+          <a:noFill/>
+        </p:spPr>
+        <p:txBody>
+          <a:bodyPr wrap="square" rtlCol="0">
+            <a:spAutoFit/>
+          </a:bodyPr>
+          <a:lstStyle/>
+          <a:p>
+            <a:pPr algn="ctr"/>
+            <a:r>
+              <a:rPr lang="en-US" sz="1600" b="1" dirty="0">
+                <a:solidFill>
+                  <a:srgbClr val="69AACE"/>
+                </a:solidFill>
+              </a:rPr>
+              <a:t>Tube carrying Blood</a:t>
+            </a:r>
+          </a:p>
+        </p:txBody>
+      </p:sp>
+      <p:sp>
+        <p:nvSpPr>
+          <p:cNvPr id="20" name="TextBox 19">
+            <a:extLst>
+              <a:ext uri="{FF2B5EF4-FFF2-40B4-BE49-F238E27FC236}">
+                <a16:creationId xmlns:a16="http://schemas.microsoft.com/office/drawing/2014/main" id="{BCF7AE93-26A3-CC07-57C7-31E31D8A4DF9}"/>
+              </a:ext>
+            </a:extLst>
+          </p:cNvPr>
+          <p:cNvSpPr txBox="1"/>
+          <p:nvPr/>
+        </p:nvSpPr>
+        <p:spPr>
+          <a:xfrm>
+            <a:off x="3257086" y="4741258"/>
+            <a:ext cx="2316660" cy="253916"/>
+          </a:xfrm>
+          <a:prstGeom prst="rect">
+            <a:avLst/>
+          </a:prstGeom>
+          <a:noFill/>
+        </p:spPr>
+        <p:txBody>
+          <a:bodyPr wrap="none" rtlCol="0">
+            <a:spAutoFit/>
+          </a:bodyPr>
+          <a:lstStyle/>
+          <a:p>
+            <a:r>
+              <a:rPr lang="en-US" sz="1050" b="1" dirty="0"/>
+              <a:t>*Final version may vary from image</a:t>
+            </a:r>
+          </a:p>
+        </p:txBody>
+      </p:sp>
+    </p:spTree>
+    <p:extLst>
+      <p:ext uri="{BB962C8B-B14F-4D97-AF65-F5344CB8AC3E}">
+        <p14:creationId xmlns:p14="http://schemas.microsoft.com/office/powerpoint/2010/main" val="1730565658"/>
+      </p:ext>
+    </p:extLst>
+  </p:cSld>
+  <p:clrMapOvr>
+    <a:masterClrMapping/>
+  </p:clrMapOvr>
+</p:sld>
+</file>
+
 <file path=ppt/theme/theme1.xml><?xml version="1.0" encoding="utf-8"?>
 <a:theme xmlns:a="http://schemas.openxmlformats.org/drawingml/2006/main" name="Office Theme">
   <a:themeElements>
